--- a/my_presentation.pptx
+++ b/my_presentation.pptx
@@ -8,16 +8,6 @@
     <p:sldId id="256" r:id="rId7"/>
     <p:sldId id="257" r:id="rId8"/>
     <p:sldId id="258" r:id="rId9"/>
-    <p:sldId id="259" r:id="rId10"/>
-    <p:sldId id="260" r:id="rId11"/>
-    <p:sldId id="261" r:id="rId12"/>
-    <p:sldId id="262" r:id="rId13"/>
-    <p:sldId id="263" r:id="rId14"/>
-    <p:sldId id="264" r:id="rId15"/>
-    <p:sldId id="265" r:id="rId16"/>
-    <p:sldId id="266" r:id="rId17"/>
-    <p:sldId id="267" r:id="rId18"/>
-    <p:sldId id="268" r:id="rId19"/>
   </p:sldIdLst>
   <p:sldSz cx="9144000" cy="6858000" type="screen4x3"/>
   <p:notesSz cx="6858000" cy="9144000"/>
@@ -3116,7 +3106,7 @@
           <a:lstStyle/>
           <a:p>
             <a:r>
-              <a:t>Introduction to Computer Networks</a:t>
+              <a:t>Introduction to Cows</a:t>
             </a:r>
           </a:p>
         </p:txBody>
@@ -3137,363 +3127,7 @@
           <a:lstStyle/>
           <a:p>
             <a:r>
-              <a:t>Understanding the Basics of Computer Networks</a:t>
-            </a:r>
-          </a:p>
-        </p:txBody>
-      </p:sp>
-    </p:spTree>
-  </p:cSld>
-  <p:clrMapOvr>
-    <a:masterClrMapping/>
-  </p:clrMapOvr>
-</p:sld>
-</file>
-
-<file path=ppt/slides/slide10.xml><?xml version="1.0" encoding="utf-8"?>
-<p:sld xmlns:a="http://schemas.openxmlformats.org/drawingml/2006/main" xmlns:p="http://schemas.openxmlformats.org/presentationml/2006/main" xmlns:r="http://schemas.openxmlformats.org/officeDocument/2006/relationships">
-  <p:cSld>
-    <p:spTree>
-      <p:nvGrpSpPr>
-        <p:cNvPr id="1" name=""/>
-        <p:cNvGrpSpPr/>
-        <p:nvPr/>
-      </p:nvGrpSpPr>
-      <p:grpSpPr/>
-      <p:sp>
-        <p:nvSpPr>
-          <p:cNvPr id="2" name="Title 1"/>
-          <p:cNvSpPr>
-            <a:spLocks noGrp="1"/>
-          </p:cNvSpPr>
-          <p:nvPr>
-            <p:ph type="title"/>
-          </p:nvPr>
-        </p:nvSpPr>
-        <p:spPr/>
-        <p:txBody>
-          <a:bodyPr/>
-          <a:lstStyle/>
-          <a:p>
-            <a:r>
-              <a:t>Emerging Trends in Computer Networks</a:t>
-            </a:r>
-          </a:p>
-        </p:txBody>
-      </p:sp>
-      <p:sp>
-        <p:nvSpPr>
-          <p:cNvPr id="3" name="Content Placeholder 2"/>
-          <p:cNvSpPr>
-            <a:spLocks noGrp="1"/>
-          </p:cNvSpPr>
-          <p:nvPr>
-            <p:ph idx="1"/>
-          </p:nvPr>
-        </p:nvSpPr>
-        <p:spPr/>
-        <p:txBody>
-          <a:bodyPr/>
-          <a:lstStyle/>
-          <a:p/>
-          <a:p>
-            <a:pPr>
-              <a:spcAft>
-                <a:spcPts val="720"/>
-              </a:spcAft>
-            </a:pPr>
-            <a:r>
-              <a:rPr sz="1800"/>
-              <a:t>Computer networks continue to evolve, driven by emerging technologies and new requirements.</a:t>
-            </a:r>
-          </a:p>
-          <a:p>
-            <a:pPr>
-              <a:spcAft>
-                <a:spcPts val="720"/>
-              </a:spcAft>
-            </a:pPr>
-            <a:r>
-              <a:rPr sz="1800"/>
-              <a:t>Some emerging trends in computer networks include:</a:t>
-            </a:r>
-          </a:p>
-          <a:p>
-            <a:pPr>
-              <a:spcAft>
-                <a:spcPts val="720"/>
-              </a:spcAft>
-            </a:pPr>
-            <a:r>
-              <a:rPr sz="1800"/>
-              <a:t>- Internet of Things (IoT): IoT networks connect and enable communication between physical devices, leading to increased automation and connectivity.</a:t>
-            </a:r>
-          </a:p>
-          <a:p>
-            <a:pPr>
-              <a:spcAft>
-                <a:spcPts val="720"/>
-              </a:spcAft>
-            </a:pPr>
-            <a:r>
-              <a:rPr sz="1800"/>
-              <a:t>- 5G and Beyond: 5G networks promise faster speeds and lower latency, unlocking new possibilities for applications and services.</a:t>
-            </a:r>
-          </a:p>
-          <a:p>
-            <a:pPr>
-              <a:spcAft>
-                <a:spcPts val="720"/>
-              </a:spcAft>
-            </a:pPr>
-            <a:r>
-              <a:rPr sz="1800"/>
-              <a:t>- Software-Defined Networking (SDN): SDN separates the network control plane from the data plane, allowing more flexible and programmable network management.</a:t>
-            </a:r>
-          </a:p>
-        </p:txBody>
-      </p:sp>
-    </p:spTree>
-  </p:cSld>
-  <p:clrMapOvr>
-    <a:masterClrMapping/>
-  </p:clrMapOvr>
-</p:sld>
-</file>
-
-<file path=ppt/slides/slide11.xml><?xml version="1.0" encoding="utf-8"?>
-<p:sld xmlns:a="http://schemas.openxmlformats.org/drawingml/2006/main" xmlns:p="http://schemas.openxmlformats.org/presentationml/2006/main" xmlns:r="http://schemas.openxmlformats.org/officeDocument/2006/relationships">
-  <p:cSld>
-    <p:spTree>
-      <p:nvGrpSpPr>
-        <p:cNvPr id="1" name=""/>
-        <p:cNvGrpSpPr/>
-        <p:nvPr/>
-      </p:nvGrpSpPr>
-      <p:grpSpPr/>
-      <p:sp>
-        <p:nvSpPr>
-          <p:cNvPr id="2" name="Title 1"/>
-          <p:cNvSpPr>
-            <a:spLocks noGrp="1"/>
-          </p:cNvSpPr>
-          <p:nvPr>
-            <p:ph type="title"/>
-          </p:nvPr>
-        </p:nvSpPr>
-        <p:spPr/>
-        <p:txBody>
-          <a:bodyPr/>
-          <a:lstStyle/>
-          <a:p>
-            <a:r>
-              <a:t>Conclusion</a:t>
-            </a:r>
-          </a:p>
-        </p:txBody>
-      </p:sp>
-      <p:sp>
-        <p:nvSpPr>
-          <p:cNvPr id="3" name="Content Placeholder 2"/>
-          <p:cNvSpPr>
-            <a:spLocks noGrp="1"/>
-          </p:cNvSpPr>
-          <p:nvPr>
-            <p:ph idx="1"/>
-          </p:nvPr>
-        </p:nvSpPr>
-        <p:spPr/>
-        <p:txBody>
-          <a:bodyPr/>
-          <a:lstStyle/>
-          <a:p/>
-          <a:p>
-            <a:pPr>
-              <a:spcAft>
-                <a:spcPts val="720"/>
-              </a:spcAft>
-            </a:pPr>
-            <a:r>
-              <a:rPr sz="1800"/>
-              <a:t>In conclusion, computer networks are essential for modern communication and data sharing.</a:t>
-            </a:r>
-          </a:p>
-          <a:p>
-            <a:pPr>
-              <a:spcAft>
-                <a:spcPts val="720"/>
-              </a:spcAft>
-            </a:pPr>
-            <a:r>
-              <a:rPr sz="1800"/>
-              <a:t>They enable us to connect and collaborate with others, access information, and perform various tasks.</a:t>
-            </a:r>
-          </a:p>
-          <a:p>
-            <a:pPr>
-              <a:spcAft>
-                <a:spcPts val="720"/>
-              </a:spcAft>
-            </a:pPr>
-            <a:r>
-              <a:rPr sz="1800"/>
-              <a:t>As technology continues to advance, computer networks will play an increasingly integral role in our lives, supporting new applications and driving innovation.</a:t>
-            </a:r>
-          </a:p>
-        </p:txBody>
-      </p:sp>
-    </p:spTree>
-  </p:cSld>
-  <p:clrMapOvr>
-    <a:masterClrMapping/>
-  </p:clrMapOvr>
-</p:sld>
-</file>
-
-<file path=ppt/slides/slide12.xml><?xml version="1.0" encoding="utf-8"?>
-<p:sld xmlns:a="http://schemas.openxmlformats.org/drawingml/2006/main" xmlns:p="http://schemas.openxmlformats.org/presentationml/2006/main" xmlns:r="http://schemas.openxmlformats.org/officeDocument/2006/relationships">
-  <p:cSld>
-    <p:spTree>
-      <p:nvGrpSpPr>
-        <p:cNvPr id="1" name=""/>
-        <p:cNvGrpSpPr/>
-        <p:nvPr/>
-      </p:nvGrpSpPr>
-      <p:grpSpPr/>
-      <p:sp>
-        <p:nvSpPr>
-          <p:cNvPr id="2" name="Title 1"/>
-          <p:cNvSpPr>
-            <a:spLocks noGrp="1"/>
-          </p:cNvSpPr>
-          <p:nvPr>
-            <p:ph type="title"/>
-          </p:nvPr>
-        </p:nvSpPr>
-        <p:spPr/>
-        <p:txBody>
-          <a:bodyPr/>
-          <a:lstStyle/>
-          <a:p>
-            <a:r>
-              <a:t>References</a:t>
-            </a:r>
-          </a:p>
-        </p:txBody>
-      </p:sp>
-      <p:sp>
-        <p:nvSpPr>
-          <p:cNvPr id="3" name="Content Placeholder 2"/>
-          <p:cNvSpPr>
-            <a:spLocks noGrp="1"/>
-          </p:cNvSpPr>
-          <p:nvPr>
-            <p:ph idx="1"/>
-          </p:nvPr>
-        </p:nvSpPr>
-        <p:spPr/>
-        <p:txBody>
-          <a:bodyPr/>
-          <a:lstStyle/>
-          <a:p/>
-          <a:p>
-            <a:pPr>
-              <a:spcAft>
-                <a:spcPts val="720"/>
-              </a:spcAft>
-            </a:pPr>
-            <a:r>
-              <a:rPr sz="1800"/>
-              <a:t>1. Kurose, J. F., &amp; Ross, K. W. (2021). Computer Networking: A Top-Down Approach. Pearson.</a:t>
-            </a:r>
-          </a:p>
-          <a:p>
-            <a:pPr>
-              <a:spcAft>
-                <a:spcPts val="720"/>
-              </a:spcAft>
-            </a:pPr>
-            <a:r>
-              <a:rPr sz="1800"/>
-              <a:t>2. Tanenbaum, A. S., &amp; Wetherall, D. J. (2011). Computer Networks. Pearson.</a:t>
-            </a:r>
-          </a:p>
-        </p:txBody>
-      </p:sp>
-    </p:spTree>
-  </p:cSld>
-  <p:clrMapOvr>
-    <a:masterClrMapping/>
-  </p:clrMapOvr>
-</p:sld>
-</file>
-
-<file path=ppt/slides/slide13.xml><?xml version="1.0" encoding="utf-8"?>
-<p:sld xmlns:a="http://schemas.openxmlformats.org/drawingml/2006/main" xmlns:p="http://schemas.openxmlformats.org/presentationml/2006/main" xmlns:r="http://schemas.openxmlformats.org/officeDocument/2006/relationships">
-  <p:cSld>
-    <p:spTree>
-      <p:nvGrpSpPr>
-        <p:cNvPr id="1" name=""/>
-        <p:cNvGrpSpPr/>
-        <p:nvPr/>
-      </p:nvGrpSpPr>
-      <p:grpSpPr/>
-      <p:sp>
-        <p:nvSpPr>
-          <p:cNvPr id="2" name="Title 1"/>
-          <p:cNvSpPr>
-            <a:spLocks noGrp="1"/>
-          </p:cNvSpPr>
-          <p:nvPr>
-            <p:ph type="title"/>
-          </p:nvPr>
-        </p:nvSpPr>
-        <p:spPr/>
-        <p:txBody>
-          <a:bodyPr/>
-          <a:lstStyle/>
-          <a:p>
-            <a:r>
-              <a:t>Thank You</a:t>
-            </a:r>
-          </a:p>
-        </p:txBody>
-      </p:sp>
-      <p:sp>
-        <p:nvSpPr>
-          <p:cNvPr id="3" name="Content Placeholder 2"/>
-          <p:cNvSpPr>
-            <a:spLocks noGrp="1"/>
-          </p:cNvSpPr>
-          <p:nvPr>
-            <p:ph idx="1"/>
-          </p:nvPr>
-        </p:nvSpPr>
-        <p:spPr/>
-        <p:txBody>
-          <a:bodyPr/>
-          <a:lstStyle/>
-          <a:p/>
-          <a:p>
-            <a:pPr>
-              <a:spcAft>
-                <a:spcPts val="720"/>
-              </a:spcAft>
-            </a:pPr>
-            <a:r>
-              <a:rPr sz="1800"/>
-              <a:t>Thank you for your attention!</a:t>
-            </a:r>
-          </a:p>
-          <a:p>
-            <a:pPr>
-              <a:spcAft>
-                <a:spcPts val="720"/>
-              </a:spcAft>
-            </a:pPr>
-            <a:r>
-              <a:rPr sz="1800"/>
-              <a:t>Any questions?</a:t>
+              <a:t>Understanding the Basics of Cows</a:t>
             </a:r>
           </a:p>
         </p:txBody>
@@ -3532,7 +3166,7 @@
           <a:lstStyle/>
           <a:p>
             <a:r>
-              <a:t>What are Computer Networks?</a:t>
+              <a:t>Types of Cows</a:t>
             </a:r>
           </a:p>
         </p:txBody>
@@ -3560,7 +3194,7 @@
             </a:pPr>
             <a:r>
               <a:rPr sz="1800"/>
-              <a:t>Computer networks are interconnected systems that allow multiple computers and devices to communicate and share resources.</a:t>
+              <a:t>Cows are generally classified into different types based on their purpose and characteristics.</a:t>
             </a:r>
           </a:p>
           <a:p>
@@ -3571,7 +3205,7 @@
             </a:pPr>
             <a:r>
               <a:rPr sz="1800"/>
-              <a:t>These networks can range from small local networks within a home or office to large-scale networks spanning across cities or even continents.</a:t>
+              <a:t>Some popular types of cows include dairy cows, beef cows, and dual-purpose cows.</a:t>
             </a:r>
           </a:p>
           <a:p>
@@ -3582,7 +3216,7 @@
             </a:pPr>
             <a:r>
               <a:rPr sz="1800"/>
-              <a:t>The goal of computer networks is to enable efficient and reliable communication between various devices and facilitate the sharing of information and resources.</a:t>
+              <a:t>Dairy cows are specifically bred and raised for milk production, while beef cows are raised for meat production. Dual-purpose cows can be used for both milk and meat production.</a:t>
             </a:r>
           </a:p>
         </p:txBody>
@@ -3621,7 +3255,7 @@
           <a:lstStyle/>
           <a:p>
             <a:r>
-              <a:t>Why are Computer Networks Important?</a:t>
+              <a:t>Caring for Cows</a:t>
             </a:r>
           </a:p>
         </p:txBody>
@@ -3633,7 +3267,7 @@
             <a:spLocks noGrp="1"/>
           </p:cNvSpPr>
           <p:nvPr>
-            <p:ph idx="1"/>
+            <p:ph idx="1" sz="half"/>
           </p:nvPr>
         </p:nvSpPr>
         <p:spPr/>
@@ -3649,7 +3283,7 @@
             </a:pPr>
             <a:r>
               <a:rPr sz="1800"/>
-              <a:t>Computer networks play a crucial role in our daily lives, enabling us to connect with others, access information, and perform various tasks.</a:t>
+              <a:t>Caring for cows involves providing them with proper nutrition, shelter, and healthcare.</a:t>
             </a:r>
           </a:p>
           <a:p>
@@ -3660,7 +3294,7 @@
             </a:pPr>
             <a:r>
               <a:rPr sz="1800"/>
-              <a:t>They form the backbone of the internet, allowing us to browse websites, send emails, stream videos, and engage in online activities.</a:t>
+              <a:t>They should have access to fresh and clean water, as well as a balanced diet consisting of grass, hay, and other feed.</a:t>
             </a:r>
           </a:p>
           <a:p>
@@ -3671,58 +3305,19 @@
             </a:pPr>
             <a:r>
               <a:rPr sz="1800"/>
-              <a:t>Moreover, computer networks are essential in businesses and organizations, facilitating seamless collaboration, data sharing, and efficient workflows.</a:t>
-            </a:r>
-          </a:p>
-        </p:txBody>
-      </p:sp>
-    </p:spTree>
-  </p:cSld>
-  <p:clrMapOvr>
-    <a:masterClrMapping/>
-  </p:clrMapOvr>
-</p:sld>
-</file>
-
-<file path=ppt/slides/slide4.xml><?xml version="1.0" encoding="utf-8"?>
-<p:sld xmlns:a="http://schemas.openxmlformats.org/drawingml/2006/main" xmlns:p="http://schemas.openxmlformats.org/presentationml/2006/main" xmlns:r="http://schemas.openxmlformats.org/officeDocument/2006/relationships">
-  <p:cSld>
-    <p:spTree>
-      <p:nvGrpSpPr>
-        <p:cNvPr id="1" name=""/>
-        <p:cNvGrpSpPr/>
-        <p:nvPr/>
-      </p:nvGrpSpPr>
-      <p:grpSpPr/>
-      <p:sp>
-        <p:nvSpPr>
-          <p:cNvPr id="2" name="Title 1"/>
-          <p:cNvSpPr>
-            <a:spLocks noGrp="1"/>
-          </p:cNvSpPr>
-          <p:nvPr>
-            <p:ph type="title"/>
-          </p:nvPr>
-        </p:nvSpPr>
-        <p:spPr/>
-        <p:txBody>
-          <a:bodyPr/>
-          <a:lstStyle/>
-          <a:p>
-            <a:r>
-              <a:t>Types of Computer Networks</a:t>
-            </a:r>
-          </a:p>
-        </p:txBody>
-      </p:sp>
-      <p:sp>
-        <p:nvSpPr>
-          <p:cNvPr id="3" name="Content Placeholder 2"/>
-          <p:cNvSpPr>
-            <a:spLocks noGrp="1"/>
-          </p:cNvSpPr>
-          <p:nvPr>
-            <p:ph idx="1" sz="half"/>
+              <a:t>Regular veterinary care, vaccinations, and deworming are essential for maintaining the health and well-being of cows.</a:t>
+            </a:r>
+          </a:p>
+        </p:txBody>
+      </p:sp>
+      <p:sp>
+        <p:nvSpPr>
+          <p:cNvPr id="4" name="Content Placeholder 3"/>
+          <p:cNvSpPr>
+            <a:spLocks noGrp="1"/>
+          </p:cNvSpPr>
+          <p:nvPr>
+            <p:ph idx="2" sz="half"/>
           </p:nvPr>
         </p:nvSpPr>
         <p:spPr/>
@@ -3731,81 +3326,9 @@
           <a:lstStyle/>
           <a:p/>
           <a:p>
-            <a:pPr>
-              <a:spcAft>
-                <a:spcPts val="720"/>
-              </a:spcAft>
-            </a:pPr>
             <a:r>
               <a:rPr sz="1800"/>
-              <a:t>There are several types of computer networks, each catering to specific needs and requirements:</a:t>
-            </a:r>
-          </a:p>
-          <a:p>
-            <a:pPr>
-              <a:spcAft>
-                <a:spcPts val="720"/>
-              </a:spcAft>
-            </a:pPr>
-            <a:r>
-              <a:rPr sz="1800"/>
-              <a:t>1. Local Area Network (LAN): A LAN connects devices within a limited area, such as a home, office, or building.</a:t>
-            </a:r>
-          </a:p>
-          <a:p>
-            <a:pPr>
-              <a:spcAft>
-                <a:spcPts val="720"/>
-              </a:spcAft>
-            </a:pPr>
-            <a:r>
-              <a:rPr sz="1800"/>
-              <a:t>2. Wide Area Network (WAN): A WAN spans a larger geographical area, connecting multiple LANs and enabling long-distance communication.</a:t>
-            </a:r>
-          </a:p>
-          <a:p>
-            <a:pPr>
-              <a:spcAft>
-                <a:spcPts val="720"/>
-              </a:spcAft>
-            </a:pPr>
-            <a:r>
-              <a:rPr sz="1800"/>
-              <a:t>3. Metropolitan Area Network (MAN): A MAN covers a city or metropolitan area, linking multiple LANs.</a:t>
-            </a:r>
-          </a:p>
-          <a:p>
-            <a:pPr>
-              <a:spcAft>
-                <a:spcPts val="720"/>
-              </a:spcAft>
-            </a:pPr>
-            <a:r>
-              <a:rPr sz="1800"/>
-              <a:t>4. Personal Area Network (PAN): A PAN is a network used for personal devices, such as smartphones and tablets, to communicate with each other.</a:t>
-            </a:r>
-          </a:p>
-        </p:txBody>
-      </p:sp>
-      <p:sp>
-        <p:nvSpPr>
-          <p:cNvPr id="4" name="Content Placeholder 3"/>
-          <p:cNvSpPr>
-            <a:spLocks noGrp="1"/>
-          </p:cNvSpPr>
-          <p:nvPr>
-            <p:ph idx="2" sz="half"/>
-          </p:nvPr>
-        </p:nvSpPr>
-        <p:spPr/>
-        <p:txBody>
-          <a:bodyPr/>
-          <a:lstStyle/>
-          <a:p/>
-          <a:p>
-            <a:r>
-              <a:rPr sz="1800"/>
-              <a:t>Types of Computer Networks</a:t>
+              <a:t>Cows in a Farm</a:t>
             </a:r>
           </a:p>
         </p:txBody>
@@ -3834,608 +3357,6 @@
           </a:prstGeom>
         </p:spPr>
       </p:pic>
-    </p:spTree>
-  </p:cSld>
-  <p:clrMapOvr>
-    <a:masterClrMapping/>
-  </p:clrMapOvr>
-</p:sld>
-</file>
-
-<file path=ppt/slides/slide5.xml><?xml version="1.0" encoding="utf-8"?>
-<p:sld xmlns:a="http://schemas.openxmlformats.org/drawingml/2006/main" xmlns:p="http://schemas.openxmlformats.org/presentationml/2006/main" xmlns:r="http://schemas.openxmlformats.org/officeDocument/2006/relationships">
-  <p:cSld>
-    <p:spTree>
-      <p:nvGrpSpPr>
-        <p:cNvPr id="1" name=""/>
-        <p:cNvGrpSpPr/>
-        <p:nvPr/>
-      </p:nvGrpSpPr>
-      <p:grpSpPr/>
-      <p:sp>
-        <p:nvSpPr>
-          <p:cNvPr id="2" name="Title 1"/>
-          <p:cNvSpPr>
-            <a:spLocks noGrp="1"/>
-          </p:cNvSpPr>
-          <p:nvPr>
-            <p:ph type="title"/>
-          </p:nvPr>
-        </p:nvSpPr>
-        <p:spPr/>
-        <p:txBody>
-          <a:bodyPr/>
-          <a:lstStyle/>
-          <a:p>
-            <a:r>
-              <a:t>Network Topologies</a:t>
-            </a:r>
-          </a:p>
-        </p:txBody>
-      </p:sp>
-      <p:sp>
-        <p:nvSpPr>
-          <p:cNvPr id="3" name="Content Placeholder 2"/>
-          <p:cNvSpPr>
-            <a:spLocks noGrp="1"/>
-          </p:cNvSpPr>
-          <p:nvPr>
-            <p:ph idx="1"/>
-          </p:nvPr>
-        </p:nvSpPr>
-        <p:spPr/>
-        <p:txBody>
-          <a:bodyPr/>
-          <a:lstStyle/>
-          <a:p/>
-          <a:p>
-            <a:pPr>
-              <a:spcAft>
-                <a:spcPts val="720"/>
-              </a:spcAft>
-            </a:pPr>
-            <a:r>
-              <a:rPr sz="1800"/>
-              <a:t>Network topologies refer to the physical or logical arrangement of devices and connections in a computer network.</a:t>
-            </a:r>
-          </a:p>
-          <a:p>
-            <a:pPr>
-              <a:spcAft>
-                <a:spcPts val="720"/>
-              </a:spcAft>
-            </a:pPr>
-            <a:r>
-              <a:rPr sz="1800"/>
-              <a:t>Some common network topologies include:</a:t>
-            </a:r>
-          </a:p>
-          <a:p>
-            <a:pPr>
-              <a:spcAft>
-                <a:spcPts val="720"/>
-              </a:spcAft>
-            </a:pPr>
-            <a:r>
-              <a:rPr sz="1800"/>
-              <a:t>- Bus Topology: All devices are connected to a single cable, called a bus. Data is transmitted in a linear fashion.</a:t>
-            </a:r>
-          </a:p>
-          <a:p>
-            <a:pPr>
-              <a:spcAft>
-                <a:spcPts val="720"/>
-              </a:spcAft>
-            </a:pPr>
-            <a:r>
-              <a:rPr sz="1800"/>
-              <a:t>- Star Topology: All devices are connected to a central hub or switch. Data is transmitted through the hub.</a:t>
-            </a:r>
-          </a:p>
-          <a:p>
-            <a:pPr>
-              <a:spcAft>
-                <a:spcPts val="720"/>
-              </a:spcAft>
-            </a:pPr>
-            <a:r>
-              <a:rPr sz="1800"/>
-              <a:t>- Ring Topology: Devices are connected in a circular manner, forming a closed loop. Data is transmitted in one direction.</a:t>
-            </a:r>
-          </a:p>
-        </p:txBody>
-      </p:sp>
-    </p:spTree>
-  </p:cSld>
-  <p:clrMapOvr>
-    <a:masterClrMapping/>
-  </p:clrMapOvr>
-</p:sld>
-</file>
-
-<file path=ppt/slides/slide6.xml><?xml version="1.0" encoding="utf-8"?>
-<p:sld xmlns:a="http://schemas.openxmlformats.org/drawingml/2006/main" xmlns:p="http://schemas.openxmlformats.org/presentationml/2006/main" xmlns:r="http://schemas.openxmlformats.org/officeDocument/2006/relationships">
-  <p:cSld>
-    <p:spTree>
-      <p:nvGrpSpPr>
-        <p:cNvPr id="1" name=""/>
-        <p:cNvGrpSpPr/>
-        <p:nvPr/>
-      </p:nvGrpSpPr>
-      <p:grpSpPr/>
-      <p:sp>
-        <p:nvSpPr>
-          <p:cNvPr id="2" name="Title 1"/>
-          <p:cNvSpPr>
-            <a:spLocks noGrp="1"/>
-          </p:cNvSpPr>
-          <p:nvPr>
-            <p:ph type="title"/>
-          </p:nvPr>
-        </p:nvSpPr>
-        <p:spPr/>
-        <p:txBody>
-          <a:bodyPr/>
-          <a:lstStyle/>
-          <a:p>
-            <a:r>
-              <a:t>Network Protocols</a:t>
-            </a:r>
-          </a:p>
-        </p:txBody>
-      </p:sp>
-      <p:sp>
-        <p:nvSpPr>
-          <p:cNvPr id="3" name="Content Placeholder 2"/>
-          <p:cNvSpPr>
-            <a:spLocks noGrp="1"/>
-          </p:cNvSpPr>
-          <p:nvPr>
-            <p:ph idx="1"/>
-          </p:nvPr>
-        </p:nvSpPr>
-        <p:spPr/>
-        <p:txBody>
-          <a:bodyPr/>
-          <a:lstStyle/>
-          <a:p/>
-          <a:p>
-            <a:pPr>
-              <a:spcAft>
-                <a:spcPts val="720"/>
-              </a:spcAft>
-            </a:pPr>
-            <a:r>
-              <a:rPr sz="1800"/>
-              <a:t>Network protocols are a set of rules and standards that define how devices communicate and exchange data in a computer network.</a:t>
-            </a:r>
-          </a:p>
-          <a:p>
-            <a:pPr>
-              <a:spcAft>
-                <a:spcPts val="720"/>
-              </a:spcAft>
-            </a:pPr>
-            <a:r>
-              <a:rPr sz="1800"/>
-              <a:t>Some commonly used network protocols include:</a:t>
-            </a:r>
-          </a:p>
-          <a:p>
-            <a:pPr>
-              <a:spcAft>
-                <a:spcPts val="720"/>
-              </a:spcAft>
-            </a:pPr>
-            <a:r>
-              <a:rPr sz="1800"/>
-              <a:t>- TCP/IP (Transmission Control Protocol/Internet Protocol): The foundation of the internet, TCP/IP ensures reliable and secure data transmission across networks.</a:t>
-            </a:r>
-          </a:p>
-          <a:p>
-            <a:pPr>
-              <a:spcAft>
-                <a:spcPts val="720"/>
-              </a:spcAft>
-            </a:pPr>
-            <a:r>
-              <a:rPr sz="1800"/>
-              <a:t>- HTTP (Hypertext Transfer Protocol): HTTP is used for transmitting web pages and resources over the internet.</a:t>
-            </a:r>
-          </a:p>
-          <a:p>
-            <a:pPr>
-              <a:spcAft>
-                <a:spcPts val="720"/>
-              </a:spcAft>
-            </a:pPr>
-            <a:r>
-              <a:rPr sz="1800"/>
-              <a:t>- SMTP (Simple Mail Transfer Protocol): SMTP is responsible for sending and receiving emails over a network.</a:t>
-            </a:r>
-          </a:p>
-        </p:txBody>
-      </p:sp>
-    </p:spTree>
-  </p:cSld>
-  <p:clrMapOvr>
-    <a:masterClrMapping/>
-  </p:clrMapOvr>
-</p:sld>
-</file>
-
-<file path=ppt/slides/slide7.xml><?xml version="1.0" encoding="utf-8"?>
-<p:sld xmlns:a="http://schemas.openxmlformats.org/drawingml/2006/main" xmlns:p="http://schemas.openxmlformats.org/presentationml/2006/main" xmlns:r="http://schemas.openxmlformats.org/officeDocument/2006/relationships">
-  <p:cSld>
-    <p:spTree>
-      <p:nvGrpSpPr>
-        <p:cNvPr id="1" name=""/>
-        <p:cNvGrpSpPr/>
-        <p:nvPr/>
-      </p:nvGrpSpPr>
-      <p:grpSpPr/>
-      <p:sp>
-        <p:nvSpPr>
-          <p:cNvPr id="2" name="Title 1"/>
-          <p:cNvSpPr>
-            <a:spLocks noGrp="1"/>
-          </p:cNvSpPr>
-          <p:nvPr>
-            <p:ph type="title"/>
-          </p:nvPr>
-        </p:nvSpPr>
-        <p:spPr/>
-        <p:txBody>
-          <a:bodyPr/>
-          <a:lstStyle/>
-          <a:p>
-            <a:r>
-              <a:t>Network Security</a:t>
-            </a:r>
-          </a:p>
-        </p:txBody>
-      </p:sp>
-      <p:sp>
-        <p:nvSpPr>
-          <p:cNvPr id="3" name="Content Placeholder 2"/>
-          <p:cNvSpPr>
-            <a:spLocks noGrp="1"/>
-          </p:cNvSpPr>
-          <p:nvPr>
-            <p:ph idx="1" sz="half"/>
-          </p:nvPr>
-        </p:nvSpPr>
-        <p:spPr/>
-        <p:txBody>
-          <a:bodyPr/>
-          <a:lstStyle/>
-          <a:p/>
-          <a:p>
-            <a:pPr>
-              <a:spcAft>
-                <a:spcPts val="720"/>
-              </a:spcAft>
-            </a:pPr>
-            <a:r>
-              <a:rPr sz="1800"/>
-              <a:t>Network security is a critical aspect of computer networks, ensuring the protection of data and systems against unauthorized access and attacks.</a:t>
-            </a:r>
-          </a:p>
-          <a:p>
-            <a:pPr>
-              <a:spcAft>
-                <a:spcPts val="720"/>
-              </a:spcAft>
-            </a:pPr>
-            <a:r>
-              <a:rPr sz="1800"/>
-              <a:t>Some key network security measures include:</a:t>
-            </a:r>
-          </a:p>
-          <a:p>
-            <a:pPr>
-              <a:spcAft>
-                <a:spcPts val="720"/>
-              </a:spcAft>
-            </a:pPr>
-            <a:r>
-              <a:rPr sz="1800"/>
-              <a:t>- Firewalls: Firewalls act as a barrier between a network and external threats, filtering incoming and outgoing traffic.</a:t>
-            </a:r>
-          </a:p>
-          <a:p>
-            <a:pPr>
-              <a:spcAft>
-                <a:spcPts val="720"/>
-              </a:spcAft>
-            </a:pPr>
-            <a:r>
-              <a:rPr sz="1800"/>
-              <a:t>- Encryption: Encryption techniques are used to secure data transmission and prevent unauthorized interception and access.</a:t>
-            </a:r>
-          </a:p>
-          <a:p>
-            <a:pPr>
-              <a:spcAft>
-                <a:spcPts val="720"/>
-              </a:spcAft>
-            </a:pPr>
-            <a:r>
-              <a:rPr sz="1800"/>
-              <a:t>- Access Control: Access control mechanisms, such as passwords and user authentication, restrict network access to authorized users.</a:t>
-            </a:r>
-          </a:p>
-        </p:txBody>
-      </p:sp>
-      <p:sp>
-        <p:nvSpPr>
-          <p:cNvPr id="4" name="Content Placeholder 3"/>
-          <p:cNvSpPr>
-            <a:spLocks noGrp="1"/>
-          </p:cNvSpPr>
-          <p:nvPr>
-            <p:ph idx="2" sz="half"/>
-          </p:nvPr>
-        </p:nvSpPr>
-        <p:spPr/>
-        <p:txBody>
-          <a:bodyPr/>
-          <a:lstStyle/>
-          <a:p/>
-          <a:p>
-            <a:r>
-              <a:rPr sz="1800"/>
-              <a:t>Network Security</a:t>
-            </a:r>
-          </a:p>
-        </p:txBody>
-      </p:sp>
-      <p:pic>
-        <p:nvPicPr>
-          <p:cNvPr id="5" name="Picture 4" descr="downloaded_image_1.png"/>
-          <p:cNvPicPr>
-            <a:picLocks noChangeAspect="1"/>
-          </p:cNvPicPr>
-          <p:nvPr/>
-        </p:nvPicPr>
-        <p:blipFill>
-          <a:blip r:embed="rId2"/>
-          <a:stretch>
-            <a:fillRect/>
-          </a:stretch>
-        </p:blipFill>
-        <p:spPr>
-          <a:xfrm>
-            <a:off x="5029200" y="2743200"/>
-            <a:ext cx="3657600" cy="3657600"/>
-          </a:xfrm>
-          <a:prstGeom prst="rect">
-            <a:avLst/>
-          </a:prstGeom>
-        </p:spPr>
-      </p:pic>
-    </p:spTree>
-  </p:cSld>
-  <p:clrMapOvr>
-    <a:masterClrMapping/>
-  </p:clrMapOvr>
-</p:sld>
-</file>
-
-<file path=ppt/slides/slide8.xml><?xml version="1.0" encoding="utf-8"?>
-<p:sld xmlns:a="http://schemas.openxmlformats.org/drawingml/2006/main" xmlns:p="http://schemas.openxmlformats.org/presentationml/2006/main" xmlns:r="http://schemas.openxmlformats.org/officeDocument/2006/relationships">
-  <p:cSld>
-    <p:spTree>
-      <p:nvGrpSpPr>
-        <p:cNvPr id="1" name=""/>
-        <p:cNvGrpSpPr/>
-        <p:nvPr/>
-      </p:nvGrpSpPr>
-      <p:grpSpPr/>
-      <p:sp>
-        <p:nvSpPr>
-          <p:cNvPr id="2" name="Title 1"/>
-          <p:cNvSpPr>
-            <a:spLocks noGrp="1"/>
-          </p:cNvSpPr>
-          <p:nvPr>
-            <p:ph type="title"/>
-          </p:nvPr>
-        </p:nvSpPr>
-        <p:spPr/>
-        <p:txBody>
-          <a:bodyPr/>
-          <a:lstStyle/>
-          <a:p>
-            <a:r>
-              <a:t>Network Hardware</a:t>
-            </a:r>
-          </a:p>
-        </p:txBody>
-      </p:sp>
-      <p:sp>
-        <p:nvSpPr>
-          <p:cNvPr id="3" name="Content Placeholder 2"/>
-          <p:cNvSpPr>
-            <a:spLocks noGrp="1"/>
-          </p:cNvSpPr>
-          <p:nvPr>
-            <p:ph idx="1"/>
-          </p:nvPr>
-        </p:nvSpPr>
-        <p:spPr/>
-        <p:txBody>
-          <a:bodyPr/>
-          <a:lstStyle/>
-          <a:p/>
-          <a:p>
-            <a:pPr>
-              <a:spcAft>
-                <a:spcPts val="720"/>
-              </a:spcAft>
-            </a:pPr>
-            <a:r>
-              <a:rPr sz="1800"/>
-              <a:t>Network hardware refers to the physical components that are used to build and connect devices in a computer network.</a:t>
-            </a:r>
-          </a:p>
-          <a:p>
-            <a:pPr>
-              <a:spcAft>
-                <a:spcPts val="720"/>
-              </a:spcAft>
-            </a:pPr>
-            <a:r>
-              <a:rPr sz="1800"/>
-              <a:t>Some common network hardware includes:</a:t>
-            </a:r>
-          </a:p>
-          <a:p>
-            <a:pPr>
-              <a:spcAft>
-                <a:spcPts val="720"/>
-              </a:spcAft>
-            </a:pPr>
-            <a:r>
-              <a:rPr sz="1800"/>
-              <a:t>- Routers: Routers are devices that forward data packets between networks, enabling communication between devices in different networks.</a:t>
-            </a:r>
-          </a:p>
-          <a:p>
-            <a:pPr>
-              <a:spcAft>
-                <a:spcPts val="720"/>
-              </a:spcAft>
-            </a:pPr>
-            <a:r>
-              <a:rPr sz="1800"/>
-              <a:t>- Switches: Switches connect devices within a network, allowing them to communicate with each other.</a:t>
-            </a:r>
-          </a:p>
-          <a:p>
-            <a:pPr>
-              <a:spcAft>
-                <a:spcPts val="720"/>
-              </a:spcAft>
-            </a:pPr>
-            <a:r>
-              <a:rPr sz="1800"/>
-              <a:t>- Network Cables: Ethernet cables are used to establish physical connections between devices in a network.</a:t>
-            </a:r>
-          </a:p>
-        </p:txBody>
-      </p:sp>
-    </p:spTree>
-  </p:cSld>
-  <p:clrMapOvr>
-    <a:masterClrMapping/>
-  </p:clrMapOvr>
-</p:sld>
-</file>
-
-<file path=ppt/slides/slide9.xml><?xml version="1.0" encoding="utf-8"?>
-<p:sld xmlns:a="http://schemas.openxmlformats.org/drawingml/2006/main" xmlns:p="http://schemas.openxmlformats.org/presentationml/2006/main" xmlns:r="http://schemas.openxmlformats.org/officeDocument/2006/relationships">
-  <p:cSld>
-    <p:spTree>
-      <p:nvGrpSpPr>
-        <p:cNvPr id="1" name=""/>
-        <p:cNvGrpSpPr/>
-        <p:nvPr/>
-      </p:nvGrpSpPr>
-      <p:grpSpPr/>
-      <p:sp>
-        <p:nvSpPr>
-          <p:cNvPr id="2" name="Title 1"/>
-          <p:cNvSpPr>
-            <a:spLocks noGrp="1"/>
-          </p:cNvSpPr>
-          <p:nvPr>
-            <p:ph type="title"/>
-          </p:nvPr>
-        </p:nvSpPr>
-        <p:spPr/>
-        <p:txBody>
-          <a:bodyPr/>
-          <a:lstStyle/>
-          <a:p>
-            <a:r>
-              <a:t>Network Troubleshooting</a:t>
-            </a:r>
-          </a:p>
-        </p:txBody>
-      </p:sp>
-      <p:sp>
-        <p:nvSpPr>
-          <p:cNvPr id="3" name="Content Placeholder 2"/>
-          <p:cNvSpPr>
-            <a:spLocks noGrp="1"/>
-          </p:cNvSpPr>
-          <p:nvPr>
-            <p:ph idx="1"/>
-          </p:nvPr>
-        </p:nvSpPr>
-        <p:spPr/>
-        <p:txBody>
-          <a:bodyPr/>
-          <a:lstStyle/>
-          <a:p/>
-          <a:p>
-            <a:pPr>
-              <a:spcAft>
-                <a:spcPts val="720"/>
-              </a:spcAft>
-            </a:pPr>
-            <a:r>
-              <a:rPr sz="1800"/>
-              <a:t>Network troubleshooting involves identifying and resolving issues that can occur in computer networks.</a:t>
-            </a:r>
-          </a:p>
-          <a:p>
-            <a:pPr>
-              <a:spcAft>
-                <a:spcPts val="720"/>
-              </a:spcAft>
-            </a:pPr>
-            <a:r>
-              <a:rPr sz="1800"/>
-              <a:t>Some common network troubleshooting techniques include:</a:t>
-            </a:r>
-          </a:p>
-          <a:p>
-            <a:pPr>
-              <a:spcAft>
-                <a:spcPts val="720"/>
-              </a:spcAft>
-            </a:pPr>
-            <a:r>
-              <a:rPr sz="1800"/>
-              <a:t>- Ping: The ping command is used to test network connectivity and measure the round trip time of packets.</a:t>
-            </a:r>
-          </a:p>
-          <a:p>
-            <a:pPr>
-              <a:spcAft>
-                <a:spcPts val="720"/>
-              </a:spcAft>
-            </a:pPr>
-            <a:r>
-              <a:rPr sz="1800"/>
-              <a:t>- Traceroute: Traceroute helps identify the route that packets take from the source to the destination, revealing potential network issues.</a:t>
-            </a:r>
-          </a:p>
-          <a:p>
-            <a:pPr>
-              <a:spcAft>
-                <a:spcPts val="720"/>
-              </a:spcAft>
-            </a:pPr>
-            <a:r>
-              <a:rPr sz="1800"/>
-              <a:t>- Resetting Network Devices: Power cycling or resetting network devices can help resolve temporary network issues.</a:t>
-            </a:r>
-          </a:p>
-        </p:txBody>
-      </p:sp>
     </p:spTree>
   </p:cSld>
   <p:clrMapOvr>
